--- a/day9 morning assignment/day9 PPT/DAY9 PPT.pptx
+++ b/day9 morning assignment/day9 PPT/DAY9 PPT.pptx
@@ -323,7 +323,7 @@
             <a:fld id="{7FEDDBAD-0815-4B82-B21A-2E6C3A170281}" type="datetimeFigureOut">
               <a:rPr lang="en-IN" smtClean="0"/>
               <a:pPr/>
-              <a:t>04-02-2022</a:t>
+              <a:t>15-02-2022</a:t>
             </a:fld>
             <a:endParaRPr lang="en-IN"/>
           </a:p>
@@ -490,7 +490,7 @@
             <a:fld id="{7FEDDBAD-0815-4B82-B21A-2E6C3A170281}" type="datetimeFigureOut">
               <a:rPr lang="en-IN" smtClean="0"/>
               <a:pPr/>
-              <a:t>04-02-2022</a:t>
+              <a:t>15-02-2022</a:t>
             </a:fld>
             <a:endParaRPr lang="en-IN"/>
           </a:p>
@@ -667,7 +667,7 @@
             <a:fld id="{7FEDDBAD-0815-4B82-B21A-2E6C3A170281}" type="datetimeFigureOut">
               <a:rPr lang="en-IN" smtClean="0"/>
               <a:pPr/>
-              <a:t>04-02-2022</a:t>
+              <a:t>15-02-2022</a:t>
             </a:fld>
             <a:endParaRPr lang="en-IN"/>
           </a:p>
@@ -834,7 +834,7 @@
             <a:fld id="{7FEDDBAD-0815-4B82-B21A-2E6C3A170281}" type="datetimeFigureOut">
               <a:rPr lang="en-IN" smtClean="0"/>
               <a:pPr/>
-              <a:t>04-02-2022</a:t>
+              <a:t>15-02-2022</a:t>
             </a:fld>
             <a:endParaRPr lang="en-IN"/>
           </a:p>
@@ -1077,7 +1077,7 @@
             <a:fld id="{7FEDDBAD-0815-4B82-B21A-2E6C3A170281}" type="datetimeFigureOut">
               <a:rPr lang="en-IN" smtClean="0"/>
               <a:pPr/>
-              <a:t>04-02-2022</a:t>
+              <a:t>15-02-2022</a:t>
             </a:fld>
             <a:endParaRPr lang="en-IN"/>
           </a:p>
@@ -1362,7 +1362,7 @@
             <a:fld id="{7FEDDBAD-0815-4B82-B21A-2E6C3A170281}" type="datetimeFigureOut">
               <a:rPr lang="en-IN" smtClean="0"/>
               <a:pPr/>
-              <a:t>04-02-2022</a:t>
+              <a:t>15-02-2022</a:t>
             </a:fld>
             <a:endParaRPr lang="en-IN"/>
           </a:p>
@@ -1781,7 +1781,7 @@
             <a:fld id="{7FEDDBAD-0815-4B82-B21A-2E6C3A170281}" type="datetimeFigureOut">
               <a:rPr lang="en-IN" smtClean="0"/>
               <a:pPr/>
-              <a:t>04-02-2022</a:t>
+              <a:t>15-02-2022</a:t>
             </a:fld>
             <a:endParaRPr lang="en-IN"/>
           </a:p>
@@ -1896,7 +1896,7 @@
             <a:fld id="{7FEDDBAD-0815-4B82-B21A-2E6C3A170281}" type="datetimeFigureOut">
               <a:rPr lang="en-IN" smtClean="0"/>
               <a:pPr/>
-              <a:t>04-02-2022</a:t>
+              <a:t>15-02-2022</a:t>
             </a:fld>
             <a:endParaRPr lang="en-IN"/>
           </a:p>
@@ -1988,7 +1988,7 @@
             <a:fld id="{7FEDDBAD-0815-4B82-B21A-2E6C3A170281}" type="datetimeFigureOut">
               <a:rPr lang="en-IN" smtClean="0"/>
               <a:pPr/>
-              <a:t>04-02-2022</a:t>
+              <a:t>15-02-2022</a:t>
             </a:fld>
             <a:endParaRPr lang="en-IN"/>
           </a:p>
@@ -2262,7 +2262,7 @@
             <a:fld id="{7FEDDBAD-0815-4B82-B21A-2E6C3A170281}" type="datetimeFigureOut">
               <a:rPr lang="en-IN" smtClean="0"/>
               <a:pPr/>
-              <a:t>04-02-2022</a:t>
+              <a:t>15-02-2022</a:t>
             </a:fld>
             <a:endParaRPr lang="en-IN"/>
           </a:p>
@@ -2512,7 +2512,7 @@
             <a:fld id="{7FEDDBAD-0815-4B82-B21A-2E6C3A170281}" type="datetimeFigureOut">
               <a:rPr lang="en-IN" smtClean="0"/>
               <a:pPr/>
-              <a:t>04-02-2022</a:t>
+              <a:t>15-02-2022</a:t>
             </a:fld>
             <a:endParaRPr lang="en-IN"/>
           </a:p>
@@ -2731,7 +2731,7 @@
             <a:fld id="{7FEDDBAD-0815-4B82-B21A-2E6C3A170281}" type="datetimeFigureOut">
               <a:rPr lang="en-IN" smtClean="0"/>
               <a:pPr/>
-              <a:t>04-02-2022</a:t>
+              <a:t>15-02-2022</a:t>
             </a:fld>
             <a:endParaRPr lang="en-IN"/>
           </a:p>
@@ -3235,6 +3235,70 @@
           </a:p>
         </p:txBody>
       </p:sp>
+      <p:sp>
+        <p:nvSpPr>
+          <p:cNvPr id="2" name="Title 1">
+            <a:extLst>
+              <a:ext uri="{FF2B5EF4-FFF2-40B4-BE49-F238E27FC236}">
+                <a16:creationId xmlns:a16="http://schemas.microsoft.com/office/drawing/2014/main" id="{9FEE475D-00BD-4ECF-9CA2-C13A3B3BF8D6}"/>
+              </a:ext>
+            </a:extLst>
+          </p:cNvPr>
+          <p:cNvSpPr>
+            <a:spLocks noGrp="1"/>
+          </p:cNvSpPr>
+          <p:nvPr>
+            <p:ph type="title"/>
+          </p:nvPr>
+        </p:nvSpPr>
+        <p:spPr/>
+        <p:txBody>
+          <a:bodyPr>
+            <a:normAutofit fontScale="90000"/>
+          </a:bodyPr>
+          <a:lstStyle/>
+          <a:p>
+            <a:br>
+              <a:rPr lang="en-US" dirty="0"/>
+            </a:br>
+            <a:br>
+              <a:rPr lang="en-US" dirty="0"/>
+            </a:br>
+            <a:br>
+              <a:rPr lang="en-US"/>
+            </a:br>
+            <a:endParaRPr lang="en-IN" dirty="0"/>
+          </a:p>
+        </p:txBody>
+      </p:sp>
+      <p:sp>
+        <p:nvSpPr>
+          <p:cNvPr id="3" name="Content Placeholder 2">
+            <a:extLst>
+              <a:ext uri="{FF2B5EF4-FFF2-40B4-BE49-F238E27FC236}">
+                <a16:creationId xmlns:a16="http://schemas.microsoft.com/office/drawing/2014/main" id="{61019931-045B-4261-955D-18C820C01DE4}"/>
+              </a:ext>
+            </a:extLst>
+          </p:cNvPr>
+          <p:cNvSpPr>
+            <a:spLocks noGrp="1"/>
+          </p:cNvSpPr>
+          <p:nvPr>
+            <p:ph idx="1"/>
+          </p:nvPr>
+        </p:nvSpPr>
+        <p:spPr/>
+        <p:txBody>
+          <a:bodyPr/>
+          <a:lstStyle/>
+          <a:p>
+            <a:pPr marL="0" indent="0">
+              <a:buNone/>
+            </a:pPr>
+            <a:endParaRPr lang="en-IN" dirty="0"/>
+          </a:p>
+        </p:txBody>
+      </p:sp>
     </p:spTree>
   </p:cSld>
   <p:clrMapOvr>
